--- a/ppt 16-9/0719.拥有主快乐无比.pptx
+++ b/ppt 16-9/0719.拥有主快乐无比.pptx
@@ -129,7 +129,7 @@
           <p:cNvPr id="2" name="标题 1">
             <a:extLst>
               <a:ext uri="{FF2B5EF4-FFF2-40B4-BE49-F238E27FC236}">
-                <a16:creationId xmlns:a16="http://schemas.microsoft.com/office/drawing/2014/main" id="{280B77BE-682A-5B05-B5C4-FD002B74608A}"/>
+                <a16:creationId xmlns:a16="http://schemas.microsoft.com/office/drawing/2014/main" id="{A67E84CA-BAD2-6A29-232B-006A20D618FB}"/>
               </a:ext>
             </a:extLst>
           </p:cNvPr>
@@ -166,7 +166,7 @@
           <p:cNvPr id="3" name="副标题 2">
             <a:extLst>
               <a:ext uri="{FF2B5EF4-FFF2-40B4-BE49-F238E27FC236}">
-                <a16:creationId xmlns:a16="http://schemas.microsoft.com/office/drawing/2014/main" id="{F5F8768B-1628-176C-ECCD-EF52774504F0}"/>
+                <a16:creationId xmlns:a16="http://schemas.microsoft.com/office/drawing/2014/main" id="{8B017E52-77E7-EE9C-2774-50169BCA135C}"/>
               </a:ext>
             </a:extLst>
           </p:cNvPr>
@@ -236,7 +236,7 @@
           <p:cNvPr id="4" name="日期占位符 3">
             <a:extLst>
               <a:ext uri="{FF2B5EF4-FFF2-40B4-BE49-F238E27FC236}">
-                <a16:creationId xmlns:a16="http://schemas.microsoft.com/office/drawing/2014/main" id="{94AD3D9C-4D63-D243-C271-AFBE77B5967E}"/>
+                <a16:creationId xmlns:a16="http://schemas.microsoft.com/office/drawing/2014/main" id="{25F9620D-4DB6-99DA-8963-BBFA5209AE44}"/>
               </a:ext>
             </a:extLst>
           </p:cNvPr>
@@ -252,7 +252,7 @@
           <a:bodyPr/>
           <a:lstStyle/>
           <a:p>
-            <a:fld id="{C90E8B08-2F85-4D48-B818-118F52A4C602}" type="datetimeFigureOut">
+            <a:fld id="{0BEAB067-F0C1-497C-BCD2-FE3E4B99C84D}" type="datetimeFigureOut">
               <a:rPr lang="zh-CN" altLang="en-US" smtClean="0"/>
               <a:t>2024/3/10</a:t>
             </a:fld>
@@ -265,7 +265,7 @@
           <p:cNvPr id="5" name="页脚占位符 4">
             <a:extLst>
               <a:ext uri="{FF2B5EF4-FFF2-40B4-BE49-F238E27FC236}">
-                <a16:creationId xmlns:a16="http://schemas.microsoft.com/office/drawing/2014/main" id="{DBCF95D2-6EC0-86F3-9C1E-596E4938D696}"/>
+                <a16:creationId xmlns:a16="http://schemas.microsoft.com/office/drawing/2014/main" id="{73692941-57F3-0B1B-1478-79037A7C0F00}"/>
               </a:ext>
             </a:extLst>
           </p:cNvPr>
@@ -290,7 +290,7 @@
           <p:cNvPr id="6" name="灯片编号占位符 5">
             <a:extLst>
               <a:ext uri="{FF2B5EF4-FFF2-40B4-BE49-F238E27FC236}">
-                <a16:creationId xmlns:a16="http://schemas.microsoft.com/office/drawing/2014/main" id="{608E3949-18B4-1CC6-70B8-CC32E47381B0}"/>
+                <a16:creationId xmlns:a16="http://schemas.microsoft.com/office/drawing/2014/main" id="{5D43A284-25B9-449B-170D-1839E3963805}"/>
               </a:ext>
             </a:extLst>
           </p:cNvPr>
@@ -306,7 +306,7 @@
           <a:bodyPr/>
           <a:lstStyle/>
           <a:p>
-            <a:fld id="{9E1F58D1-C5D7-4CBE-8281-FFCCAE8EBA2B}" type="slidenum">
+            <a:fld id="{81E818BF-84F9-46AE-A09D-6E4FE5D3509A}" type="slidenum">
               <a:rPr lang="zh-CN" altLang="en-US" smtClean="0"/>
               <a:t>‹#›</a:t>
             </a:fld>
@@ -317,7 +317,7 @@
     </p:spTree>
     <p:extLst>
       <p:ext uri="{BB962C8B-B14F-4D97-AF65-F5344CB8AC3E}">
-        <p14:creationId xmlns:p14="http://schemas.microsoft.com/office/powerpoint/2010/main" val="1018137539"/>
+        <p14:creationId xmlns:p14="http://schemas.microsoft.com/office/powerpoint/2010/main" val="3860041998"/>
       </p:ext>
     </p:extLst>
   </p:cSld>
@@ -349,7 +349,7 @@
           <p:cNvPr id="2" name="标题 1">
             <a:extLst>
               <a:ext uri="{FF2B5EF4-FFF2-40B4-BE49-F238E27FC236}">
-                <a16:creationId xmlns:a16="http://schemas.microsoft.com/office/drawing/2014/main" id="{CA1DD0E0-E1F5-36D1-1147-08484927523E}"/>
+                <a16:creationId xmlns:a16="http://schemas.microsoft.com/office/drawing/2014/main" id="{8616CE46-6C15-8AEF-8D17-3CBEAE4A3DAA}"/>
               </a:ext>
             </a:extLst>
           </p:cNvPr>
@@ -377,7 +377,7 @@
           <p:cNvPr id="3" name="竖排文字占位符 2">
             <a:extLst>
               <a:ext uri="{FF2B5EF4-FFF2-40B4-BE49-F238E27FC236}">
-                <a16:creationId xmlns:a16="http://schemas.microsoft.com/office/drawing/2014/main" id="{0532F648-7BFF-955C-65B3-E67179B84594}"/>
+                <a16:creationId xmlns:a16="http://schemas.microsoft.com/office/drawing/2014/main" id="{91523BAF-46BE-E5A4-F2A1-392A823E5478}"/>
               </a:ext>
             </a:extLst>
           </p:cNvPr>
@@ -434,7 +434,7 @@
           <p:cNvPr id="4" name="日期占位符 3">
             <a:extLst>
               <a:ext uri="{FF2B5EF4-FFF2-40B4-BE49-F238E27FC236}">
-                <a16:creationId xmlns:a16="http://schemas.microsoft.com/office/drawing/2014/main" id="{26E130C6-9C5D-87FF-A132-AEB16CD0672F}"/>
+                <a16:creationId xmlns:a16="http://schemas.microsoft.com/office/drawing/2014/main" id="{542C9C0D-0C0C-76A4-C45E-985F1AFF0388}"/>
               </a:ext>
             </a:extLst>
           </p:cNvPr>
@@ -450,7 +450,7 @@
           <a:bodyPr/>
           <a:lstStyle/>
           <a:p>
-            <a:fld id="{C90E8B08-2F85-4D48-B818-118F52A4C602}" type="datetimeFigureOut">
+            <a:fld id="{0BEAB067-F0C1-497C-BCD2-FE3E4B99C84D}" type="datetimeFigureOut">
               <a:rPr lang="zh-CN" altLang="en-US" smtClean="0"/>
               <a:t>2024/3/10</a:t>
             </a:fld>
@@ -463,7 +463,7 @@
           <p:cNvPr id="5" name="页脚占位符 4">
             <a:extLst>
               <a:ext uri="{FF2B5EF4-FFF2-40B4-BE49-F238E27FC236}">
-                <a16:creationId xmlns:a16="http://schemas.microsoft.com/office/drawing/2014/main" id="{9BCA7E14-D417-90B8-F389-AFB119D567C8}"/>
+                <a16:creationId xmlns:a16="http://schemas.microsoft.com/office/drawing/2014/main" id="{3D889681-4734-9B8F-83C7-D99222247045}"/>
               </a:ext>
             </a:extLst>
           </p:cNvPr>
@@ -488,7 +488,7 @@
           <p:cNvPr id="6" name="灯片编号占位符 5">
             <a:extLst>
               <a:ext uri="{FF2B5EF4-FFF2-40B4-BE49-F238E27FC236}">
-                <a16:creationId xmlns:a16="http://schemas.microsoft.com/office/drawing/2014/main" id="{29279153-0DC4-7EB3-E25A-64DE278363B3}"/>
+                <a16:creationId xmlns:a16="http://schemas.microsoft.com/office/drawing/2014/main" id="{B54A1AA6-8B20-685B-B423-FB78A35D036A}"/>
               </a:ext>
             </a:extLst>
           </p:cNvPr>
@@ -504,7 +504,7 @@
           <a:bodyPr/>
           <a:lstStyle/>
           <a:p>
-            <a:fld id="{9E1F58D1-C5D7-4CBE-8281-FFCCAE8EBA2B}" type="slidenum">
+            <a:fld id="{81E818BF-84F9-46AE-A09D-6E4FE5D3509A}" type="slidenum">
               <a:rPr lang="zh-CN" altLang="en-US" smtClean="0"/>
               <a:t>‹#›</a:t>
             </a:fld>
@@ -515,7 +515,7 @@
     </p:spTree>
     <p:extLst>
       <p:ext uri="{BB962C8B-B14F-4D97-AF65-F5344CB8AC3E}">
-        <p14:creationId xmlns:p14="http://schemas.microsoft.com/office/powerpoint/2010/main" val="2978696778"/>
+        <p14:creationId xmlns:p14="http://schemas.microsoft.com/office/powerpoint/2010/main" val="3005951742"/>
       </p:ext>
     </p:extLst>
   </p:cSld>
@@ -547,7 +547,7 @@
           <p:cNvPr id="2" name="竖排标题 1">
             <a:extLst>
               <a:ext uri="{FF2B5EF4-FFF2-40B4-BE49-F238E27FC236}">
-                <a16:creationId xmlns:a16="http://schemas.microsoft.com/office/drawing/2014/main" id="{D26B44C6-ED16-4904-26F0-BCFD9BA5B7EE}"/>
+                <a16:creationId xmlns:a16="http://schemas.microsoft.com/office/drawing/2014/main" id="{85A9D813-6C85-8ADE-39B7-623BF53F0FEB}"/>
               </a:ext>
             </a:extLst>
           </p:cNvPr>
@@ -580,7 +580,7 @@
           <p:cNvPr id="3" name="竖排文字占位符 2">
             <a:extLst>
               <a:ext uri="{FF2B5EF4-FFF2-40B4-BE49-F238E27FC236}">
-                <a16:creationId xmlns:a16="http://schemas.microsoft.com/office/drawing/2014/main" id="{8AB3633B-C4DF-2F53-C1EC-8FCCB4929BDA}"/>
+                <a16:creationId xmlns:a16="http://schemas.microsoft.com/office/drawing/2014/main" id="{FE57A761-F349-F242-76EB-BF091BE98833}"/>
               </a:ext>
             </a:extLst>
           </p:cNvPr>
@@ -642,7 +642,7 @@
           <p:cNvPr id="4" name="日期占位符 3">
             <a:extLst>
               <a:ext uri="{FF2B5EF4-FFF2-40B4-BE49-F238E27FC236}">
-                <a16:creationId xmlns:a16="http://schemas.microsoft.com/office/drawing/2014/main" id="{4396E859-B47C-7348-1C02-099E64BBC600}"/>
+                <a16:creationId xmlns:a16="http://schemas.microsoft.com/office/drawing/2014/main" id="{EDCD95EA-E9A5-B7A2-E57B-179789BAC59F}"/>
               </a:ext>
             </a:extLst>
           </p:cNvPr>
@@ -658,7 +658,7 @@
           <a:bodyPr/>
           <a:lstStyle/>
           <a:p>
-            <a:fld id="{C90E8B08-2F85-4D48-B818-118F52A4C602}" type="datetimeFigureOut">
+            <a:fld id="{0BEAB067-F0C1-497C-BCD2-FE3E4B99C84D}" type="datetimeFigureOut">
               <a:rPr lang="zh-CN" altLang="en-US" smtClean="0"/>
               <a:t>2024/3/10</a:t>
             </a:fld>
@@ -671,7 +671,7 @@
           <p:cNvPr id="5" name="页脚占位符 4">
             <a:extLst>
               <a:ext uri="{FF2B5EF4-FFF2-40B4-BE49-F238E27FC236}">
-                <a16:creationId xmlns:a16="http://schemas.microsoft.com/office/drawing/2014/main" id="{DB8155A2-1B73-D3BD-581B-97A01732E04D}"/>
+                <a16:creationId xmlns:a16="http://schemas.microsoft.com/office/drawing/2014/main" id="{6308DFDE-C400-E25E-734E-0BB1D973493E}"/>
               </a:ext>
             </a:extLst>
           </p:cNvPr>
@@ -696,7 +696,7 @@
           <p:cNvPr id="6" name="灯片编号占位符 5">
             <a:extLst>
               <a:ext uri="{FF2B5EF4-FFF2-40B4-BE49-F238E27FC236}">
-                <a16:creationId xmlns:a16="http://schemas.microsoft.com/office/drawing/2014/main" id="{9FD88FD3-32CD-A1DF-ED30-18C2C7EDC358}"/>
+                <a16:creationId xmlns:a16="http://schemas.microsoft.com/office/drawing/2014/main" id="{A3F864D4-4655-B537-0486-20BD2109EB23}"/>
               </a:ext>
             </a:extLst>
           </p:cNvPr>
@@ -712,7 +712,7 @@
           <a:bodyPr/>
           <a:lstStyle/>
           <a:p>
-            <a:fld id="{9E1F58D1-C5D7-4CBE-8281-FFCCAE8EBA2B}" type="slidenum">
+            <a:fld id="{81E818BF-84F9-46AE-A09D-6E4FE5D3509A}" type="slidenum">
               <a:rPr lang="zh-CN" altLang="en-US" smtClean="0"/>
               <a:t>‹#›</a:t>
             </a:fld>
@@ -723,7 +723,7 @@
     </p:spTree>
     <p:extLst>
       <p:ext uri="{BB962C8B-B14F-4D97-AF65-F5344CB8AC3E}">
-        <p14:creationId xmlns:p14="http://schemas.microsoft.com/office/powerpoint/2010/main" val="1738317522"/>
+        <p14:creationId xmlns:p14="http://schemas.microsoft.com/office/powerpoint/2010/main" val="235043335"/>
       </p:ext>
     </p:extLst>
   </p:cSld>
@@ -755,7 +755,7 @@
           <p:cNvPr id="2" name="标题 1">
             <a:extLst>
               <a:ext uri="{FF2B5EF4-FFF2-40B4-BE49-F238E27FC236}">
-                <a16:creationId xmlns:a16="http://schemas.microsoft.com/office/drawing/2014/main" id="{2FA27871-954A-D859-3E21-A0B8664C5E03}"/>
+                <a16:creationId xmlns:a16="http://schemas.microsoft.com/office/drawing/2014/main" id="{4CBAC15D-3F82-108B-65B9-D4D6A46D5518}"/>
               </a:ext>
             </a:extLst>
           </p:cNvPr>
@@ -783,7 +783,7 @@
           <p:cNvPr id="3" name="内容占位符 2">
             <a:extLst>
               <a:ext uri="{FF2B5EF4-FFF2-40B4-BE49-F238E27FC236}">
-                <a16:creationId xmlns:a16="http://schemas.microsoft.com/office/drawing/2014/main" id="{6BA08487-03CD-F37D-4BF7-F16B2EBF7B1E}"/>
+                <a16:creationId xmlns:a16="http://schemas.microsoft.com/office/drawing/2014/main" id="{E73428A6-27D6-A11A-E01B-D947E8707203}"/>
               </a:ext>
             </a:extLst>
           </p:cNvPr>
@@ -840,7 +840,7 @@
           <p:cNvPr id="4" name="日期占位符 3">
             <a:extLst>
               <a:ext uri="{FF2B5EF4-FFF2-40B4-BE49-F238E27FC236}">
-                <a16:creationId xmlns:a16="http://schemas.microsoft.com/office/drawing/2014/main" id="{513520AE-5D0E-73E0-0D74-58EC736B7AF9}"/>
+                <a16:creationId xmlns:a16="http://schemas.microsoft.com/office/drawing/2014/main" id="{9307F584-1A02-5869-8A53-57B6704F15DC}"/>
               </a:ext>
             </a:extLst>
           </p:cNvPr>
@@ -856,7 +856,7 @@
           <a:bodyPr/>
           <a:lstStyle/>
           <a:p>
-            <a:fld id="{C90E8B08-2F85-4D48-B818-118F52A4C602}" type="datetimeFigureOut">
+            <a:fld id="{0BEAB067-F0C1-497C-BCD2-FE3E4B99C84D}" type="datetimeFigureOut">
               <a:rPr lang="zh-CN" altLang="en-US" smtClean="0"/>
               <a:t>2024/3/10</a:t>
             </a:fld>
@@ -869,7 +869,7 @@
           <p:cNvPr id="5" name="页脚占位符 4">
             <a:extLst>
               <a:ext uri="{FF2B5EF4-FFF2-40B4-BE49-F238E27FC236}">
-                <a16:creationId xmlns:a16="http://schemas.microsoft.com/office/drawing/2014/main" id="{A9E63CCA-C4AB-BAFA-1575-46B39AD18D5D}"/>
+                <a16:creationId xmlns:a16="http://schemas.microsoft.com/office/drawing/2014/main" id="{A53A2FDA-E51F-D77A-9A73-7D1C28613071}"/>
               </a:ext>
             </a:extLst>
           </p:cNvPr>
@@ -894,7 +894,7 @@
           <p:cNvPr id="6" name="灯片编号占位符 5">
             <a:extLst>
               <a:ext uri="{FF2B5EF4-FFF2-40B4-BE49-F238E27FC236}">
-                <a16:creationId xmlns:a16="http://schemas.microsoft.com/office/drawing/2014/main" id="{70B55E73-B3F4-33BD-BF9C-9200AAEE1F4A}"/>
+                <a16:creationId xmlns:a16="http://schemas.microsoft.com/office/drawing/2014/main" id="{6BDFD8E8-C1D9-7E54-F472-F5B8FBCE3161}"/>
               </a:ext>
             </a:extLst>
           </p:cNvPr>
@@ -910,7 +910,7 @@
           <a:bodyPr/>
           <a:lstStyle/>
           <a:p>
-            <a:fld id="{9E1F58D1-C5D7-4CBE-8281-FFCCAE8EBA2B}" type="slidenum">
+            <a:fld id="{81E818BF-84F9-46AE-A09D-6E4FE5D3509A}" type="slidenum">
               <a:rPr lang="zh-CN" altLang="en-US" smtClean="0"/>
               <a:t>‹#›</a:t>
             </a:fld>
@@ -921,7 +921,7 @@
     </p:spTree>
     <p:extLst>
       <p:ext uri="{BB962C8B-B14F-4D97-AF65-F5344CB8AC3E}">
-        <p14:creationId xmlns:p14="http://schemas.microsoft.com/office/powerpoint/2010/main" val="3733677659"/>
+        <p14:creationId xmlns:p14="http://schemas.microsoft.com/office/powerpoint/2010/main" val="415791599"/>
       </p:ext>
     </p:extLst>
   </p:cSld>
@@ -953,7 +953,7 @@
           <p:cNvPr id="2" name="标题 1">
             <a:extLst>
               <a:ext uri="{FF2B5EF4-FFF2-40B4-BE49-F238E27FC236}">
-                <a16:creationId xmlns:a16="http://schemas.microsoft.com/office/drawing/2014/main" id="{EF41F0F1-AE7A-EAA0-D018-E8CAE023B842}"/>
+                <a16:creationId xmlns:a16="http://schemas.microsoft.com/office/drawing/2014/main" id="{59B3BC40-52B2-0602-EF5B-365722DD3EB4}"/>
               </a:ext>
             </a:extLst>
           </p:cNvPr>
@@ -990,7 +990,7 @@
           <p:cNvPr id="3" name="文本占位符 2">
             <a:extLst>
               <a:ext uri="{FF2B5EF4-FFF2-40B4-BE49-F238E27FC236}">
-                <a16:creationId xmlns:a16="http://schemas.microsoft.com/office/drawing/2014/main" id="{C850FA6A-5761-491E-C831-A3893CCA4C34}"/>
+                <a16:creationId xmlns:a16="http://schemas.microsoft.com/office/drawing/2014/main" id="{9E499FD4-DDBD-2A70-80F2-CB744AF2549C}"/>
               </a:ext>
             </a:extLst>
           </p:cNvPr>
@@ -1115,7 +1115,7 @@
           <p:cNvPr id="4" name="日期占位符 3">
             <a:extLst>
               <a:ext uri="{FF2B5EF4-FFF2-40B4-BE49-F238E27FC236}">
-                <a16:creationId xmlns:a16="http://schemas.microsoft.com/office/drawing/2014/main" id="{1C966EB0-3B29-B3EE-4EA9-664F536D9F85}"/>
+                <a16:creationId xmlns:a16="http://schemas.microsoft.com/office/drawing/2014/main" id="{19194CB5-C81F-3443-97A0-CCDFF3928AE9}"/>
               </a:ext>
             </a:extLst>
           </p:cNvPr>
@@ -1131,7 +1131,7 @@
           <a:bodyPr/>
           <a:lstStyle/>
           <a:p>
-            <a:fld id="{C90E8B08-2F85-4D48-B818-118F52A4C602}" type="datetimeFigureOut">
+            <a:fld id="{0BEAB067-F0C1-497C-BCD2-FE3E4B99C84D}" type="datetimeFigureOut">
               <a:rPr lang="zh-CN" altLang="en-US" smtClean="0"/>
               <a:t>2024/3/10</a:t>
             </a:fld>
@@ -1144,7 +1144,7 @@
           <p:cNvPr id="5" name="页脚占位符 4">
             <a:extLst>
               <a:ext uri="{FF2B5EF4-FFF2-40B4-BE49-F238E27FC236}">
-                <a16:creationId xmlns:a16="http://schemas.microsoft.com/office/drawing/2014/main" id="{BB614FF4-40F6-AF6E-DE1D-AB1EBB4D6C2E}"/>
+                <a16:creationId xmlns:a16="http://schemas.microsoft.com/office/drawing/2014/main" id="{486E000C-F5C1-D4E8-FCF7-A29207D3027D}"/>
               </a:ext>
             </a:extLst>
           </p:cNvPr>
@@ -1169,7 +1169,7 @@
           <p:cNvPr id="6" name="灯片编号占位符 5">
             <a:extLst>
               <a:ext uri="{FF2B5EF4-FFF2-40B4-BE49-F238E27FC236}">
-                <a16:creationId xmlns:a16="http://schemas.microsoft.com/office/drawing/2014/main" id="{6A05ECDC-4DF9-8FA8-40EF-9C87EA64B5A5}"/>
+                <a16:creationId xmlns:a16="http://schemas.microsoft.com/office/drawing/2014/main" id="{4362C7C2-BD6B-9CD2-4988-8DC9D3A658A1}"/>
               </a:ext>
             </a:extLst>
           </p:cNvPr>
@@ -1185,7 +1185,7 @@
           <a:bodyPr/>
           <a:lstStyle/>
           <a:p>
-            <a:fld id="{9E1F58D1-C5D7-4CBE-8281-FFCCAE8EBA2B}" type="slidenum">
+            <a:fld id="{81E818BF-84F9-46AE-A09D-6E4FE5D3509A}" type="slidenum">
               <a:rPr lang="zh-CN" altLang="en-US" smtClean="0"/>
               <a:t>‹#›</a:t>
             </a:fld>
@@ -1196,7 +1196,7 @@
     </p:spTree>
     <p:extLst>
       <p:ext uri="{BB962C8B-B14F-4D97-AF65-F5344CB8AC3E}">
-        <p14:creationId xmlns:p14="http://schemas.microsoft.com/office/powerpoint/2010/main" val="191193073"/>
+        <p14:creationId xmlns:p14="http://schemas.microsoft.com/office/powerpoint/2010/main" val="4218741238"/>
       </p:ext>
     </p:extLst>
   </p:cSld>
@@ -1228,7 +1228,7 @@
           <p:cNvPr id="2" name="标题 1">
             <a:extLst>
               <a:ext uri="{FF2B5EF4-FFF2-40B4-BE49-F238E27FC236}">
-                <a16:creationId xmlns:a16="http://schemas.microsoft.com/office/drawing/2014/main" id="{4D5B19DE-87C5-049D-FCEF-C3701C788E0D}"/>
+                <a16:creationId xmlns:a16="http://schemas.microsoft.com/office/drawing/2014/main" id="{9F854660-8B9A-4323-B7D6-ED76AF117116}"/>
               </a:ext>
             </a:extLst>
           </p:cNvPr>
@@ -1256,7 +1256,7 @@
           <p:cNvPr id="3" name="内容占位符 2">
             <a:extLst>
               <a:ext uri="{FF2B5EF4-FFF2-40B4-BE49-F238E27FC236}">
-                <a16:creationId xmlns:a16="http://schemas.microsoft.com/office/drawing/2014/main" id="{53EE0584-4F98-F1E4-93DB-EF9C50C58025}"/>
+                <a16:creationId xmlns:a16="http://schemas.microsoft.com/office/drawing/2014/main" id="{627664B2-CEF0-A5ED-EDCC-B03494518D1C}"/>
               </a:ext>
             </a:extLst>
           </p:cNvPr>
@@ -1318,7 +1318,7 @@
           <p:cNvPr id="4" name="内容占位符 3">
             <a:extLst>
               <a:ext uri="{FF2B5EF4-FFF2-40B4-BE49-F238E27FC236}">
-                <a16:creationId xmlns:a16="http://schemas.microsoft.com/office/drawing/2014/main" id="{F1C0CA49-102A-DFB7-8FB7-ABD14A6BD867}"/>
+                <a16:creationId xmlns:a16="http://schemas.microsoft.com/office/drawing/2014/main" id="{054F5EC2-A723-89BA-A9FF-54F823DDD270}"/>
               </a:ext>
             </a:extLst>
           </p:cNvPr>
@@ -1380,7 +1380,7 @@
           <p:cNvPr id="5" name="日期占位符 4">
             <a:extLst>
               <a:ext uri="{FF2B5EF4-FFF2-40B4-BE49-F238E27FC236}">
-                <a16:creationId xmlns:a16="http://schemas.microsoft.com/office/drawing/2014/main" id="{1D4DBC20-3117-12BD-DE46-61DF4B28958E}"/>
+                <a16:creationId xmlns:a16="http://schemas.microsoft.com/office/drawing/2014/main" id="{E6994352-8825-6A14-2C8C-BCBB6753CFED}"/>
               </a:ext>
             </a:extLst>
           </p:cNvPr>
@@ -1396,7 +1396,7 @@
           <a:bodyPr/>
           <a:lstStyle/>
           <a:p>
-            <a:fld id="{C90E8B08-2F85-4D48-B818-118F52A4C602}" type="datetimeFigureOut">
+            <a:fld id="{0BEAB067-F0C1-497C-BCD2-FE3E4B99C84D}" type="datetimeFigureOut">
               <a:rPr lang="zh-CN" altLang="en-US" smtClean="0"/>
               <a:t>2024/3/10</a:t>
             </a:fld>
@@ -1409,7 +1409,7 @@
           <p:cNvPr id="6" name="页脚占位符 5">
             <a:extLst>
               <a:ext uri="{FF2B5EF4-FFF2-40B4-BE49-F238E27FC236}">
-                <a16:creationId xmlns:a16="http://schemas.microsoft.com/office/drawing/2014/main" id="{5CF56054-DD9B-77DF-D053-E623904E2722}"/>
+                <a16:creationId xmlns:a16="http://schemas.microsoft.com/office/drawing/2014/main" id="{D316C1AB-749C-7BE7-7E65-CAC9B7A3D419}"/>
               </a:ext>
             </a:extLst>
           </p:cNvPr>
@@ -1434,7 +1434,7 @@
           <p:cNvPr id="7" name="灯片编号占位符 6">
             <a:extLst>
               <a:ext uri="{FF2B5EF4-FFF2-40B4-BE49-F238E27FC236}">
-                <a16:creationId xmlns:a16="http://schemas.microsoft.com/office/drawing/2014/main" id="{66EFF32D-B10A-43BC-92C1-EC386C7C4296}"/>
+                <a16:creationId xmlns:a16="http://schemas.microsoft.com/office/drawing/2014/main" id="{557C9F73-A9B4-AEB6-C26B-907EEF416809}"/>
               </a:ext>
             </a:extLst>
           </p:cNvPr>
@@ -1450,7 +1450,7 @@
           <a:bodyPr/>
           <a:lstStyle/>
           <a:p>
-            <a:fld id="{9E1F58D1-C5D7-4CBE-8281-FFCCAE8EBA2B}" type="slidenum">
+            <a:fld id="{81E818BF-84F9-46AE-A09D-6E4FE5D3509A}" type="slidenum">
               <a:rPr lang="zh-CN" altLang="en-US" smtClean="0"/>
               <a:t>‹#›</a:t>
             </a:fld>
@@ -1461,7 +1461,7 @@
     </p:spTree>
     <p:extLst>
       <p:ext uri="{BB962C8B-B14F-4D97-AF65-F5344CB8AC3E}">
-        <p14:creationId xmlns:p14="http://schemas.microsoft.com/office/powerpoint/2010/main" val="2139368474"/>
+        <p14:creationId xmlns:p14="http://schemas.microsoft.com/office/powerpoint/2010/main" val="653838404"/>
       </p:ext>
     </p:extLst>
   </p:cSld>
@@ -1493,7 +1493,7 @@
           <p:cNvPr id="2" name="标题 1">
             <a:extLst>
               <a:ext uri="{FF2B5EF4-FFF2-40B4-BE49-F238E27FC236}">
-                <a16:creationId xmlns:a16="http://schemas.microsoft.com/office/drawing/2014/main" id="{BAD364A1-1DD8-301D-CE0A-216C29016F86}"/>
+                <a16:creationId xmlns:a16="http://schemas.microsoft.com/office/drawing/2014/main" id="{D443CE8B-262C-2FDC-CC75-62D22546F377}"/>
               </a:ext>
             </a:extLst>
           </p:cNvPr>
@@ -1526,7 +1526,7 @@
           <p:cNvPr id="3" name="文本占位符 2">
             <a:extLst>
               <a:ext uri="{FF2B5EF4-FFF2-40B4-BE49-F238E27FC236}">
-                <a16:creationId xmlns:a16="http://schemas.microsoft.com/office/drawing/2014/main" id="{1C2E559B-0B3C-E3EC-D086-DAAB9B65BB0C}"/>
+                <a16:creationId xmlns:a16="http://schemas.microsoft.com/office/drawing/2014/main" id="{74763332-9931-1A83-1034-A08EC83F3729}"/>
               </a:ext>
             </a:extLst>
           </p:cNvPr>
@@ -1597,7 +1597,7 @@
           <p:cNvPr id="4" name="内容占位符 3">
             <a:extLst>
               <a:ext uri="{FF2B5EF4-FFF2-40B4-BE49-F238E27FC236}">
-                <a16:creationId xmlns:a16="http://schemas.microsoft.com/office/drawing/2014/main" id="{EAC13240-EC84-F4F2-E531-43C5EAE1AD18}"/>
+                <a16:creationId xmlns:a16="http://schemas.microsoft.com/office/drawing/2014/main" id="{140F2612-EC3B-B8B4-5A31-955D7124795B}"/>
               </a:ext>
             </a:extLst>
           </p:cNvPr>
@@ -1659,7 +1659,7 @@
           <p:cNvPr id="5" name="文本占位符 4">
             <a:extLst>
               <a:ext uri="{FF2B5EF4-FFF2-40B4-BE49-F238E27FC236}">
-                <a16:creationId xmlns:a16="http://schemas.microsoft.com/office/drawing/2014/main" id="{E8AF4821-06D5-8230-F402-58674973E543}"/>
+                <a16:creationId xmlns:a16="http://schemas.microsoft.com/office/drawing/2014/main" id="{C2426ACC-E8C6-0091-1845-0BF4CF6EB96C}"/>
               </a:ext>
             </a:extLst>
           </p:cNvPr>
@@ -1730,7 +1730,7 @@
           <p:cNvPr id="6" name="内容占位符 5">
             <a:extLst>
               <a:ext uri="{FF2B5EF4-FFF2-40B4-BE49-F238E27FC236}">
-                <a16:creationId xmlns:a16="http://schemas.microsoft.com/office/drawing/2014/main" id="{2F013E9A-B590-4D2D-D0DD-799B4E47D424}"/>
+                <a16:creationId xmlns:a16="http://schemas.microsoft.com/office/drawing/2014/main" id="{C9F479FE-D031-B972-52E1-9C77F1821AD6}"/>
               </a:ext>
             </a:extLst>
           </p:cNvPr>
@@ -1792,7 +1792,7 @@
           <p:cNvPr id="7" name="日期占位符 6">
             <a:extLst>
               <a:ext uri="{FF2B5EF4-FFF2-40B4-BE49-F238E27FC236}">
-                <a16:creationId xmlns:a16="http://schemas.microsoft.com/office/drawing/2014/main" id="{1F0D862C-5860-403B-BB34-1063499AFE84}"/>
+                <a16:creationId xmlns:a16="http://schemas.microsoft.com/office/drawing/2014/main" id="{B989DD5F-DD38-500E-5018-9A4285E8F12B}"/>
               </a:ext>
             </a:extLst>
           </p:cNvPr>
@@ -1808,7 +1808,7 @@
           <a:bodyPr/>
           <a:lstStyle/>
           <a:p>
-            <a:fld id="{C90E8B08-2F85-4D48-B818-118F52A4C602}" type="datetimeFigureOut">
+            <a:fld id="{0BEAB067-F0C1-497C-BCD2-FE3E4B99C84D}" type="datetimeFigureOut">
               <a:rPr lang="zh-CN" altLang="en-US" smtClean="0"/>
               <a:t>2024/3/10</a:t>
             </a:fld>
@@ -1821,7 +1821,7 @@
           <p:cNvPr id="8" name="页脚占位符 7">
             <a:extLst>
               <a:ext uri="{FF2B5EF4-FFF2-40B4-BE49-F238E27FC236}">
-                <a16:creationId xmlns:a16="http://schemas.microsoft.com/office/drawing/2014/main" id="{08BA4BBA-B59A-78D1-A2D3-73696C15AA56}"/>
+                <a16:creationId xmlns:a16="http://schemas.microsoft.com/office/drawing/2014/main" id="{5178EE8F-37C6-3E38-F902-E789EA0C8643}"/>
               </a:ext>
             </a:extLst>
           </p:cNvPr>
@@ -1846,7 +1846,7 @@
           <p:cNvPr id="9" name="灯片编号占位符 8">
             <a:extLst>
               <a:ext uri="{FF2B5EF4-FFF2-40B4-BE49-F238E27FC236}">
-                <a16:creationId xmlns:a16="http://schemas.microsoft.com/office/drawing/2014/main" id="{D104F716-8995-DE6C-B52B-E3B3FF865063}"/>
+                <a16:creationId xmlns:a16="http://schemas.microsoft.com/office/drawing/2014/main" id="{9C2254C8-19F4-0FB9-E0DA-FE7752327DF2}"/>
               </a:ext>
             </a:extLst>
           </p:cNvPr>
@@ -1862,7 +1862,7 @@
           <a:bodyPr/>
           <a:lstStyle/>
           <a:p>
-            <a:fld id="{9E1F58D1-C5D7-4CBE-8281-FFCCAE8EBA2B}" type="slidenum">
+            <a:fld id="{81E818BF-84F9-46AE-A09D-6E4FE5D3509A}" type="slidenum">
               <a:rPr lang="zh-CN" altLang="en-US" smtClean="0"/>
               <a:t>‹#›</a:t>
             </a:fld>
@@ -1873,7 +1873,7 @@
     </p:spTree>
     <p:extLst>
       <p:ext uri="{BB962C8B-B14F-4D97-AF65-F5344CB8AC3E}">
-        <p14:creationId xmlns:p14="http://schemas.microsoft.com/office/powerpoint/2010/main" val="1169301690"/>
+        <p14:creationId xmlns:p14="http://schemas.microsoft.com/office/powerpoint/2010/main" val="2448162718"/>
       </p:ext>
     </p:extLst>
   </p:cSld>
@@ -1905,7 +1905,7 @@
           <p:cNvPr id="2" name="标题 1">
             <a:extLst>
               <a:ext uri="{FF2B5EF4-FFF2-40B4-BE49-F238E27FC236}">
-                <a16:creationId xmlns:a16="http://schemas.microsoft.com/office/drawing/2014/main" id="{DC027298-E8DC-8BEF-F20D-99DC8E403CAE}"/>
+                <a16:creationId xmlns:a16="http://schemas.microsoft.com/office/drawing/2014/main" id="{5417E7CA-E754-73E6-1BCA-5E3AC5F2344D}"/>
               </a:ext>
             </a:extLst>
           </p:cNvPr>
@@ -1933,7 +1933,7 @@
           <p:cNvPr id="3" name="日期占位符 2">
             <a:extLst>
               <a:ext uri="{FF2B5EF4-FFF2-40B4-BE49-F238E27FC236}">
-                <a16:creationId xmlns:a16="http://schemas.microsoft.com/office/drawing/2014/main" id="{5EF5DE87-F8DB-A749-8C98-4098184994DB}"/>
+                <a16:creationId xmlns:a16="http://schemas.microsoft.com/office/drawing/2014/main" id="{A9681AC3-14D3-15EE-45B8-AC2B5C6B5A31}"/>
               </a:ext>
             </a:extLst>
           </p:cNvPr>
@@ -1949,7 +1949,7 @@
           <a:bodyPr/>
           <a:lstStyle/>
           <a:p>
-            <a:fld id="{C90E8B08-2F85-4D48-B818-118F52A4C602}" type="datetimeFigureOut">
+            <a:fld id="{0BEAB067-F0C1-497C-BCD2-FE3E4B99C84D}" type="datetimeFigureOut">
               <a:rPr lang="zh-CN" altLang="en-US" smtClean="0"/>
               <a:t>2024/3/10</a:t>
             </a:fld>
@@ -1962,7 +1962,7 @@
           <p:cNvPr id="4" name="页脚占位符 3">
             <a:extLst>
               <a:ext uri="{FF2B5EF4-FFF2-40B4-BE49-F238E27FC236}">
-                <a16:creationId xmlns:a16="http://schemas.microsoft.com/office/drawing/2014/main" id="{F9EBFA9D-FD94-6240-17EB-64F28AD40853}"/>
+                <a16:creationId xmlns:a16="http://schemas.microsoft.com/office/drawing/2014/main" id="{B5AEA4E3-E67A-2259-E8DF-34AA11D40698}"/>
               </a:ext>
             </a:extLst>
           </p:cNvPr>
@@ -1987,7 +1987,7 @@
           <p:cNvPr id="5" name="灯片编号占位符 4">
             <a:extLst>
               <a:ext uri="{FF2B5EF4-FFF2-40B4-BE49-F238E27FC236}">
-                <a16:creationId xmlns:a16="http://schemas.microsoft.com/office/drawing/2014/main" id="{D3C5E134-101B-8E10-DBC6-BAE27EC17D0A}"/>
+                <a16:creationId xmlns:a16="http://schemas.microsoft.com/office/drawing/2014/main" id="{C192324E-C76B-7435-512F-D4CC6AE67069}"/>
               </a:ext>
             </a:extLst>
           </p:cNvPr>
@@ -2003,7 +2003,7 @@
           <a:bodyPr/>
           <a:lstStyle/>
           <a:p>
-            <a:fld id="{9E1F58D1-C5D7-4CBE-8281-FFCCAE8EBA2B}" type="slidenum">
+            <a:fld id="{81E818BF-84F9-46AE-A09D-6E4FE5D3509A}" type="slidenum">
               <a:rPr lang="zh-CN" altLang="en-US" smtClean="0"/>
               <a:t>‹#›</a:t>
             </a:fld>
@@ -2014,7 +2014,7 @@
     </p:spTree>
     <p:extLst>
       <p:ext uri="{BB962C8B-B14F-4D97-AF65-F5344CB8AC3E}">
-        <p14:creationId xmlns:p14="http://schemas.microsoft.com/office/powerpoint/2010/main" val="3160467920"/>
+        <p14:creationId xmlns:p14="http://schemas.microsoft.com/office/powerpoint/2010/main" val="1787475796"/>
       </p:ext>
     </p:extLst>
   </p:cSld>
@@ -2046,7 +2046,7 @@
           <p:cNvPr id="2" name="日期占位符 1">
             <a:extLst>
               <a:ext uri="{FF2B5EF4-FFF2-40B4-BE49-F238E27FC236}">
-                <a16:creationId xmlns:a16="http://schemas.microsoft.com/office/drawing/2014/main" id="{89B3BAA3-6866-C21B-98CC-83FBC682C7BD}"/>
+                <a16:creationId xmlns:a16="http://schemas.microsoft.com/office/drawing/2014/main" id="{8374ACF8-039F-4CC4-5BF3-D9499C2B0316}"/>
               </a:ext>
             </a:extLst>
           </p:cNvPr>
@@ -2062,7 +2062,7 @@
           <a:bodyPr/>
           <a:lstStyle/>
           <a:p>
-            <a:fld id="{C90E8B08-2F85-4D48-B818-118F52A4C602}" type="datetimeFigureOut">
+            <a:fld id="{0BEAB067-F0C1-497C-BCD2-FE3E4B99C84D}" type="datetimeFigureOut">
               <a:rPr lang="zh-CN" altLang="en-US" smtClean="0"/>
               <a:t>2024/3/10</a:t>
             </a:fld>
@@ -2075,7 +2075,7 @@
           <p:cNvPr id="3" name="页脚占位符 2">
             <a:extLst>
               <a:ext uri="{FF2B5EF4-FFF2-40B4-BE49-F238E27FC236}">
-                <a16:creationId xmlns:a16="http://schemas.microsoft.com/office/drawing/2014/main" id="{52C3CE6B-736F-6A78-3565-8EC2D280ABD1}"/>
+                <a16:creationId xmlns:a16="http://schemas.microsoft.com/office/drawing/2014/main" id="{569DAC18-EEEF-D3F2-5ECC-A678FB1B7022}"/>
               </a:ext>
             </a:extLst>
           </p:cNvPr>
@@ -2100,7 +2100,7 @@
           <p:cNvPr id="4" name="灯片编号占位符 3">
             <a:extLst>
               <a:ext uri="{FF2B5EF4-FFF2-40B4-BE49-F238E27FC236}">
-                <a16:creationId xmlns:a16="http://schemas.microsoft.com/office/drawing/2014/main" id="{C86C95C9-8C44-22F3-B450-BB01B9312CFF}"/>
+                <a16:creationId xmlns:a16="http://schemas.microsoft.com/office/drawing/2014/main" id="{3535FD8C-8ECB-CC39-67B2-1B830D5833DD}"/>
               </a:ext>
             </a:extLst>
           </p:cNvPr>
@@ -2116,7 +2116,7 @@
           <a:bodyPr/>
           <a:lstStyle/>
           <a:p>
-            <a:fld id="{9E1F58D1-C5D7-4CBE-8281-FFCCAE8EBA2B}" type="slidenum">
+            <a:fld id="{81E818BF-84F9-46AE-A09D-6E4FE5D3509A}" type="slidenum">
               <a:rPr lang="zh-CN" altLang="en-US" smtClean="0"/>
               <a:t>‹#›</a:t>
             </a:fld>
@@ -2127,7 +2127,7 @@
     </p:spTree>
     <p:extLst>
       <p:ext uri="{BB962C8B-B14F-4D97-AF65-F5344CB8AC3E}">
-        <p14:creationId xmlns:p14="http://schemas.microsoft.com/office/powerpoint/2010/main" val="2366919909"/>
+        <p14:creationId xmlns:p14="http://schemas.microsoft.com/office/powerpoint/2010/main" val="672787405"/>
       </p:ext>
     </p:extLst>
   </p:cSld>
@@ -2159,7 +2159,7 @@
           <p:cNvPr id="2" name="标题 1">
             <a:extLst>
               <a:ext uri="{FF2B5EF4-FFF2-40B4-BE49-F238E27FC236}">
-                <a16:creationId xmlns:a16="http://schemas.microsoft.com/office/drawing/2014/main" id="{68DED72F-7AF4-49A6-863A-5FDBFE05582F}"/>
+                <a16:creationId xmlns:a16="http://schemas.microsoft.com/office/drawing/2014/main" id="{499CC069-1A66-2469-74C0-860DF58A8E2C}"/>
               </a:ext>
             </a:extLst>
           </p:cNvPr>
@@ -2196,7 +2196,7 @@
           <p:cNvPr id="3" name="内容占位符 2">
             <a:extLst>
               <a:ext uri="{FF2B5EF4-FFF2-40B4-BE49-F238E27FC236}">
-                <a16:creationId xmlns:a16="http://schemas.microsoft.com/office/drawing/2014/main" id="{DEA8BB40-ED1E-5140-5A40-01054C408C79}"/>
+                <a16:creationId xmlns:a16="http://schemas.microsoft.com/office/drawing/2014/main" id="{F953CEDE-1D1C-F61D-9F51-2DC1F6E9CACA}"/>
               </a:ext>
             </a:extLst>
           </p:cNvPr>
@@ -2286,7 +2286,7 @@
           <p:cNvPr id="4" name="文本占位符 3">
             <a:extLst>
               <a:ext uri="{FF2B5EF4-FFF2-40B4-BE49-F238E27FC236}">
-                <a16:creationId xmlns:a16="http://schemas.microsoft.com/office/drawing/2014/main" id="{D8E5C578-4C7E-7AF7-5270-DE0D8D336DEA}"/>
+                <a16:creationId xmlns:a16="http://schemas.microsoft.com/office/drawing/2014/main" id="{B379C956-E8F5-8F36-321D-835DA177D4AB}"/>
               </a:ext>
             </a:extLst>
           </p:cNvPr>
@@ -2357,7 +2357,7 @@
           <p:cNvPr id="5" name="日期占位符 4">
             <a:extLst>
               <a:ext uri="{FF2B5EF4-FFF2-40B4-BE49-F238E27FC236}">
-                <a16:creationId xmlns:a16="http://schemas.microsoft.com/office/drawing/2014/main" id="{84C48C7F-A008-D673-5DB1-C3A20B3DA74F}"/>
+                <a16:creationId xmlns:a16="http://schemas.microsoft.com/office/drawing/2014/main" id="{F44C8833-0270-997E-0282-3E1D3E4E91C4}"/>
               </a:ext>
             </a:extLst>
           </p:cNvPr>
@@ -2373,7 +2373,7 @@
           <a:bodyPr/>
           <a:lstStyle/>
           <a:p>
-            <a:fld id="{C90E8B08-2F85-4D48-B818-118F52A4C602}" type="datetimeFigureOut">
+            <a:fld id="{0BEAB067-F0C1-497C-BCD2-FE3E4B99C84D}" type="datetimeFigureOut">
               <a:rPr lang="zh-CN" altLang="en-US" smtClean="0"/>
               <a:t>2024/3/10</a:t>
             </a:fld>
@@ -2386,7 +2386,7 @@
           <p:cNvPr id="6" name="页脚占位符 5">
             <a:extLst>
               <a:ext uri="{FF2B5EF4-FFF2-40B4-BE49-F238E27FC236}">
-                <a16:creationId xmlns:a16="http://schemas.microsoft.com/office/drawing/2014/main" id="{BA0ADD2D-D957-F975-0763-D559F0CD8816}"/>
+                <a16:creationId xmlns:a16="http://schemas.microsoft.com/office/drawing/2014/main" id="{B334C433-0405-32A1-C068-6389E78F194D}"/>
               </a:ext>
             </a:extLst>
           </p:cNvPr>
@@ -2411,7 +2411,7 @@
           <p:cNvPr id="7" name="灯片编号占位符 6">
             <a:extLst>
               <a:ext uri="{FF2B5EF4-FFF2-40B4-BE49-F238E27FC236}">
-                <a16:creationId xmlns:a16="http://schemas.microsoft.com/office/drawing/2014/main" id="{69817BF4-6A9F-C299-5B9D-62EB2CB57535}"/>
+                <a16:creationId xmlns:a16="http://schemas.microsoft.com/office/drawing/2014/main" id="{E777C29E-3841-801C-B2F2-D16C6C436E31}"/>
               </a:ext>
             </a:extLst>
           </p:cNvPr>
@@ -2427,7 +2427,7 @@
           <a:bodyPr/>
           <a:lstStyle/>
           <a:p>
-            <a:fld id="{9E1F58D1-C5D7-4CBE-8281-FFCCAE8EBA2B}" type="slidenum">
+            <a:fld id="{81E818BF-84F9-46AE-A09D-6E4FE5D3509A}" type="slidenum">
               <a:rPr lang="zh-CN" altLang="en-US" smtClean="0"/>
               <a:t>‹#›</a:t>
             </a:fld>
@@ -2438,7 +2438,7 @@
     </p:spTree>
     <p:extLst>
       <p:ext uri="{BB962C8B-B14F-4D97-AF65-F5344CB8AC3E}">
-        <p14:creationId xmlns:p14="http://schemas.microsoft.com/office/powerpoint/2010/main" val="377623203"/>
+        <p14:creationId xmlns:p14="http://schemas.microsoft.com/office/powerpoint/2010/main" val="2722650032"/>
       </p:ext>
     </p:extLst>
   </p:cSld>
@@ -2470,7 +2470,7 @@
           <p:cNvPr id="2" name="标题 1">
             <a:extLst>
               <a:ext uri="{FF2B5EF4-FFF2-40B4-BE49-F238E27FC236}">
-                <a16:creationId xmlns:a16="http://schemas.microsoft.com/office/drawing/2014/main" id="{2447F6A9-0AA1-21C1-9D5E-688F0333315F}"/>
+                <a16:creationId xmlns:a16="http://schemas.microsoft.com/office/drawing/2014/main" id="{34B44E26-C7F1-E750-83EC-2C7005881436}"/>
               </a:ext>
             </a:extLst>
           </p:cNvPr>
@@ -2507,7 +2507,7 @@
           <p:cNvPr id="3" name="图片占位符 2">
             <a:extLst>
               <a:ext uri="{FF2B5EF4-FFF2-40B4-BE49-F238E27FC236}">
-                <a16:creationId xmlns:a16="http://schemas.microsoft.com/office/drawing/2014/main" id="{EC40B13D-7ABC-9C93-0967-CCDC76AAF147}"/>
+                <a16:creationId xmlns:a16="http://schemas.microsoft.com/office/drawing/2014/main" id="{C99E1F7C-EA23-962F-CB8C-A73DE355346F}"/>
               </a:ext>
             </a:extLst>
           </p:cNvPr>
@@ -2574,7 +2574,7 @@
           <p:cNvPr id="4" name="文本占位符 3">
             <a:extLst>
               <a:ext uri="{FF2B5EF4-FFF2-40B4-BE49-F238E27FC236}">
-                <a16:creationId xmlns:a16="http://schemas.microsoft.com/office/drawing/2014/main" id="{52608EF1-20F4-E1DC-9FDA-681C76CBFF72}"/>
+                <a16:creationId xmlns:a16="http://schemas.microsoft.com/office/drawing/2014/main" id="{DA03EA8A-8105-5BA6-071B-A3AB79D67F8C}"/>
               </a:ext>
             </a:extLst>
           </p:cNvPr>
@@ -2645,7 +2645,7 @@
           <p:cNvPr id="5" name="日期占位符 4">
             <a:extLst>
               <a:ext uri="{FF2B5EF4-FFF2-40B4-BE49-F238E27FC236}">
-                <a16:creationId xmlns:a16="http://schemas.microsoft.com/office/drawing/2014/main" id="{AE295571-6508-E223-E89E-DA54142BDA8C}"/>
+                <a16:creationId xmlns:a16="http://schemas.microsoft.com/office/drawing/2014/main" id="{AC6CC5D2-D18F-7FE5-862B-EED03D1E8C4C}"/>
               </a:ext>
             </a:extLst>
           </p:cNvPr>
@@ -2661,7 +2661,7 @@
           <a:bodyPr/>
           <a:lstStyle/>
           <a:p>
-            <a:fld id="{C90E8B08-2F85-4D48-B818-118F52A4C602}" type="datetimeFigureOut">
+            <a:fld id="{0BEAB067-F0C1-497C-BCD2-FE3E4B99C84D}" type="datetimeFigureOut">
               <a:rPr lang="zh-CN" altLang="en-US" smtClean="0"/>
               <a:t>2024/3/10</a:t>
             </a:fld>
@@ -2674,7 +2674,7 @@
           <p:cNvPr id="6" name="页脚占位符 5">
             <a:extLst>
               <a:ext uri="{FF2B5EF4-FFF2-40B4-BE49-F238E27FC236}">
-                <a16:creationId xmlns:a16="http://schemas.microsoft.com/office/drawing/2014/main" id="{31D1EAAE-DE3B-60FB-BBF3-5F0CB1FD3E82}"/>
+                <a16:creationId xmlns:a16="http://schemas.microsoft.com/office/drawing/2014/main" id="{53BD91D1-FA94-B0E4-1739-B68CFCCE6FF3}"/>
               </a:ext>
             </a:extLst>
           </p:cNvPr>
@@ -2699,7 +2699,7 @@
           <p:cNvPr id="7" name="灯片编号占位符 6">
             <a:extLst>
               <a:ext uri="{FF2B5EF4-FFF2-40B4-BE49-F238E27FC236}">
-                <a16:creationId xmlns:a16="http://schemas.microsoft.com/office/drawing/2014/main" id="{797C0CBD-B162-19BA-B9F6-F1BF44C3781F}"/>
+                <a16:creationId xmlns:a16="http://schemas.microsoft.com/office/drawing/2014/main" id="{22B1907F-2F30-DD1B-ACC8-22319B2E5BEB}"/>
               </a:ext>
             </a:extLst>
           </p:cNvPr>
@@ -2715,7 +2715,7 @@
           <a:bodyPr/>
           <a:lstStyle/>
           <a:p>
-            <a:fld id="{9E1F58D1-C5D7-4CBE-8281-FFCCAE8EBA2B}" type="slidenum">
+            <a:fld id="{81E818BF-84F9-46AE-A09D-6E4FE5D3509A}" type="slidenum">
               <a:rPr lang="zh-CN" altLang="en-US" smtClean="0"/>
               <a:t>‹#›</a:t>
             </a:fld>
@@ -2726,7 +2726,7 @@
     </p:spTree>
     <p:extLst>
       <p:ext uri="{BB962C8B-B14F-4D97-AF65-F5344CB8AC3E}">
-        <p14:creationId xmlns:p14="http://schemas.microsoft.com/office/powerpoint/2010/main" val="2776314729"/>
+        <p14:creationId xmlns:p14="http://schemas.microsoft.com/office/powerpoint/2010/main" val="333221294"/>
       </p:ext>
     </p:extLst>
   </p:cSld>
@@ -2763,7 +2763,7 @@
           <p:cNvPr id="2" name="标题占位符 1">
             <a:extLst>
               <a:ext uri="{FF2B5EF4-FFF2-40B4-BE49-F238E27FC236}">
-                <a16:creationId xmlns:a16="http://schemas.microsoft.com/office/drawing/2014/main" id="{D065D769-A75E-B266-39E4-1F93CE257F2D}"/>
+                <a16:creationId xmlns:a16="http://schemas.microsoft.com/office/drawing/2014/main" id="{035E4266-BDA9-110C-D7D3-EE10ADE73BD5}"/>
               </a:ext>
             </a:extLst>
           </p:cNvPr>
@@ -2801,7 +2801,7 @@
           <p:cNvPr id="3" name="文本占位符 2">
             <a:extLst>
               <a:ext uri="{FF2B5EF4-FFF2-40B4-BE49-F238E27FC236}">
-                <a16:creationId xmlns:a16="http://schemas.microsoft.com/office/drawing/2014/main" id="{DFE51CFA-5363-1496-D27B-1AFA4B276DB9}"/>
+                <a16:creationId xmlns:a16="http://schemas.microsoft.com/office/drawing/2014/main" id="{4F2A5B81-8B45-4A7D-8317-9EB6204E9167}"/>
               </a:ext>
             </a:extLst>
           </p:cNvPr>
@@ -2868,7 +2868,7 @@
           <p:cNvPr id="4" name="日期占位符 3">
             <a:extLst>
               <a:ext uri="{FF2B5EF4-FFF2-40B4-BE49-F238E27FC236}">
-                <a16:creationId xmlns:a16="http://schemas.microsoft.com/office/drawing/2014/main" id="{A4353D06-E6D0-33B9-A8CC-A72E5DCC230C}"/>
+                <a16:creationId xmlns:a16="http://schemas.microsoft.com/office/drawing/2014/main" id="{AD16E302-0661-85A6-1F9E-118F16D3DAFC}"/>
               </a:ext>
             </a:extLst>
           </p:cNvPr>
@@ -2902,7 +2902,7 @@
             </a:lvl1pPr>
           </a:lstStyle>
           <a:p>
-            <a:fld id="{C90E8B08-2F85-4D48-B818-118F52A4C602}" type="datetimeFigureOut">
+            <a:fld id="{0BEAB067-F0C1-497C-BCD2-FE3E4B99C84D}" type="datetimeFigureOut">
               <a:rPr lang="zh-CN" altLang="en-US" smtClean="0"/>
               <a:t>2024/3/10</a:t>
             </a:fld>
@@ -2915,7 +2915,7 @@
           <p:cNvPr id="5" name="页脚占位符 4">
             <a:extLst>
               <a:ext uri="{FF2B5EF4-FFF2-40B4-BE49-F238E27FC236}">
-                <a16:creationId xmlns:a16="http://schemas.microsoft.com/office/drawing/2014/main" id="{CA6196E9-2FE5-D58D-9C7F-8305C5FD46F1}"/>
+                <a16:creationId xmlns:a16="http://schemas.microsoft.com/office/drawing/2014/main" id="{F814B64C-8DAC-56B5-72E0-119188909607}"/>
               </a:ext>
             </a:extLst>
           </p:cNvPr>
@@ -2958,7 +2958,7 @@
           <p:cNvPr id="6" name="灯片编号占位符 5">
             <a:extLst>
               <a:ext uri="{FF2B5EF4-FFF2-40B4-BE49-F238E27FC236}">
-                <a16:creationId xmlns:a16="http://schemas.microsoft.com/office/drawing/2014/main" id="{B61030A7-9B04-558A-38AA-728D81330125}"/>
+                <a16:creationId xmlns:a16="http://schemas.microsoft.com/office/drawing/2014/main" id="{E575357E-6E7C-D8E7-D5EC-2973B72A8E82}"/>
               </a:ext>
             </a:extLst>
           </p:cNvPr>
@@ -2992,7 +2992,7 @@
             </a:lvl1pPr>
           </a:lstStyle>
           <a:p>
-            <a:fld id="{9E1F58D1-C5D7-4CBE-8281-FFCCAE8EBA2B}" type="slidenum">
+            <a:fld id="{81E818BF-84F9-46AE-A09D-6E4FE5D3509A}" type="slidenum">
               <a:rPr lang="zh-CN" altLang="en-US" smtClean="0"/>
               <a:t>‹#›</a:t>
             </a:fld>
@@ -3003,7 +3003,7 @@
     </p:spTree>
     <p:extLst>
       <p:ext uri="{BB962C8B-B14F-4D97-AF65-F5344CB8AC3E}">
-        <p14:creationId xmlns:p14="http://schemas.microsoft.com/office/powerpoint/2010/main" val="4253885367"/>
+        <p14:creationId xmlns:p14="http://schemas.microsoft.com/office/powerpoint/2010/main" val="2851253714"/>
       </p:ext>
     </p:extLst>
   </p:cSld>
